--- a/development/RNAseq/slides.pptx
+++ b/development/RNAseq/slides.pptx
@@ -56,6 +56,7 @@
     <p:sldId id="305" r:id="rId50"/>
     <p:sldId id="304" r:id="rId51"/>
     <p:sldId id="306" r:id="rId52"/>
+    <p:sldId id="309" r:id="rId53"/>
   </p:sldIdLst>
   <p:sldSz cx="9144000" cy="6858000" type="screen4x3"/>
   <p:notesSz cx="6858000" cy="9144000"/>
@@ -450,7 +451,7 @@
             <a:fld id="{23A271A1-F6D6-438B-A432-4747EE7ECD40}" type="datetimeFigureOut">
               <a:rPr lang="en-US" smtClean="0"/>
               <a:pPr algn="ctr" eaLnBrk="1" latinLnBrk="0" hangingPunct="1"/>
-              <a:t>1/7/17</a:t>
+              <a:t>1/12/17</a:t>
             </a:fld>
             <a:endParaRPr lang="en-US" sz="2000" dirty="0">
               <a:solidFill>
@@ -657,7 +658,7 @@
             <a:fld id="{23A271A1-F6D6-438B-A432-4747EE7ECD40}" type="datetimeFigureOut">
               <a:rPr lang="en-US" smtClean="0"/>
               <a:pPr eaLnBrk="1" latinLnBrk="0" hangingPunct="1"/>
-              <a:t>1/7/17</a:t>
+              <a:t>1/12/17</a:t>
             </a:fld>
             <a:endParaRPr lang="en-US"/>
           </a:p>
@@ -845,7 +846,7 @@
             <a:fld id="{23A271A1-F6D6-438B-A432-4747EE7ECD40}" type="datetimeFigureOut">
               <a:rPr lang="en-US" smtClean="0"/>
               <a:pPr eaLnBrk="1" latinLnBrk="0" hangingPunct="1"/>
-              <a:t>1/7/17</a:t>
+              <a:t>1/12/17</a:t>
             </a:fld>
             <a:endParaRPr lang="en-US" dirty="0"/>
           </a:p>
@@ -1111,7 +1112,7 @@
             <a:fld id="{23A271A1-F6D6-438B-A432-4747EE7ECD40}" type="datetimeFigureOut">
               <a:rPr lang="en-US" smtClean="0"/>
               <a:pPr eaLnBrk="1" latinLnBrk="0" hangingPunct="1"/>
-              <a:t>1/7/17</a:t>
+              <a:t>1/12/17</a:t>
             </a:fld>
             <a:endParaRPr lang="en-US" dirty="0"/>
           </a:p>
@@ -1534,7 +1535,7 @@
             <a:fld id="{23A271A1-F6D6-438B-A432-4747EE7ECD40}" type="datetimeFigureOut">
               <a:rPr lang="en-US" smtClean="0"/>
               <a:pPr eaLnBrk="1" latinLnBrk="0" hangingPunct="1"/>
-              <a:t>1/7/17</a:t>
+              <a:t>1/12/17</a:t>
             </a:fld>
             <a:endParaRPr lang="en-US"/>
           </a:p>
@@ -1784,7 +1785,7 @@
             <a:fld id="{23A271A1-F6D6-438B-A432-4747EE7ECD40}" type="datetimeFigureOut">
               <a:rPr lang="en-US" smtClean="0"/>
               <a:pPr eaLnBrk="1" latinLnBrk="0" hangingPunct="1"/>
-              <a:t>1/7/17</a:t>
+              <a:t>1/12/17</a:t>
             </a:fld>
             <a:endParaRPr lang="en-US"/>
           </a:p>
@@ -2024,7 +2025,7 @@
             <a:fld id="{23A271A1-F6D6-438B-A432-4747EE7ECD40}" type="datetimeFigureOut">
               <a:rPr lang="en-US" smtClean="0"/>
               <a:pPr eaLnBrk="1" latinLnBrk="0" hangingPunct="1"/>
-              <a:t>1/7/17</a:t>
+              <a:t>1/12/17</a:t>
             </a:fld>
             <a:endParaRPr lang="en-US"/>
           </a:p>
@@ -2223,7 +2224,7 @@
             <a:fld id="{23A271A1-F6D6-438B-A432-4747EE7ECD40}" type="datetimeFigureOut">
               <a:rPr lang="en-US" smtClean="0"/>
               <a:pPr eaLnBrk="1" latinLnBrk="0" hangingPunct="1"/>
-              <a:t>1/7/17</a:t>
+              <a:t>1/12/17</a:t>
             </a:fld>
             <a:endParaRPr lang="en-US"/>
           </a:p>
@@ -2328,7 +2329,7 @@
             <a:fld id="{23A271A1-F6D6-438B-A432-4747EE7ECD40}" type="datetimeFigureOut">
               <a:rPr lang="en-US" smtClean="0"/>
               <a:pPr eaLnBrk="1" latinLnBrk="0" hangingPunct="1"/>
-              <a:t>1/7/17</a:t>
+              <a:t>1/12/17</a:t>
             </a:fld>
             <a:endParaRPr lang="en-US"/>
           </a:p>
@@ -2471,7 +2472,7 @@
             <a:fld id="{23A271A1-F6D6-438B-A432-4747EE7ECD40}" type="datetimeFigureOut">
               <a:rPr lang="en-US" smtClean="0"/>
               <a:pPr eaLnBrk="1" latinLnBrk="0" hangingPunct="1"/>
-              <a:t>1/7/17</a:t>
+              <a:t>1/12/17</a:t>
             </a:fld>
             <a:endParaRPr lang="en-US"/>
           </a:p>
@@ -2996,7 +2997,7 @@
             <a:fld id="{23A271A1-F6D6-438B-A432-4747EE7ECD40}" type="datetimeFigureOut">
               <a:rPr lang="en-US" smtClean="0"/>
               <a:pPr eaLnBrk="1" latinLnBrk="0" hangingPunct="1"/>
-              <a:t>1/7/17</a:t>
+              <a:t>1/12/17</a:t>
             </a:fld>
             <a:endParaRPr lang="en-US"/>
           </a:p>
@@ -3261,7 +3262,7 @@
             <a:fld id="{23A271A1-F6D6-438B-A432-4747EE7ECD40}" type="datetimeFigureOut">
               <a:rPr lang="en-US" smtClean="0"/>
               <a:pPr eaLnBrk="1" latinLnBrk="0" hangingPunct="1"/>
-              <a:t>1/7/17</a:t>
+              <a:t>1/12/17</a:t>
             </a:fld>
             <a:endParaRPr lang="en-US" sz="1400" dirty="0">
               <a:solidFill>
@@ -3886,6 +3887,13 @@
   <p:clrMapOvr>
     <a:masterClrMapping/>
   </p:clrMapOvr>
+  <p:timing>
+    <p:tnLst>
+      <p:par>
+        <p:cTn xmlns:p14="http://schemas.microsoft.com/office/powerpoint/2010/main" id="1" dur="indefinite" restart="never" nodeType="tmRoot"/>
+      </p:par>
+    </p:tnLst>
+  </p:timing>
 </p:sld>
 </file>
 
@@ -4039,6 +4047,13 @@
   <p:clrMapOvr>
     <a:masterClrMapping/>
   </p:clrMapOvr>
+  <p:timing>
+    <p:tnLst>
+      <p:par>
+        <p:cTn xmlns:p14="http://schemas.microsoft.com/office/powerpoint/2010/main" id="1" dur="indefinite" restart="never" nodeType="tmRoot"/>
+      </p:par>
+    </p:tnLst>
+  </p:timing>
 </p:sld>
 </file>
 
@@ -4193,6 +4208,13 @@
   <p:clrMapOvr>
     <a:masterClrMapping/>
   </p:clrMapOvr>
+  <p:timing>
+    <p:tnLst>
+      <p:par>
+        <p:cTn xmlns:p14="http://schemas.microsoft.com/office/powerpoint/2010/main" id="1" dur="indefinite" restart="never" nodeType="tmRoot"/>
+      </p:par>
+    </p:tnLst>
+  </p:timing>
 </p:sld>
 </file>
 
@@ -4375,6 +4397,13 @@
   <p:clrMapOvr>
     <a:masterClrMapping/>
   </p:clrMapOvr>
+  <p:timing>
+    <p:tnLst>
+      <p:par>
+        <p:cTn xmlns:p14="http://schemas.microsoft.com/office/powerpoint/2010/main" id="1" dur="indefinite" restart="never" nodeType="tmRoot"/>
+      </p:par>
+    </p:tnLst>
+  </p:timing>
 </p:sld>
 </file>
 
@@ -4510,6 +4539,13 @@
   <p:clrMapOvr>
     <a:masterClrMapping/>
   </p:clrMapOvr>
+  <p:timing>
+    <p:tnLst>
+      <p:par>
+        <p:cTn xmlns:p14="http://schemas.microsoft.com/office/powerpoint/2010/main" id="1" dur="indefinite" restart="never" nodeType="tmRoot"/>
+      </p:par>
+    </p:tnLst>
+  </p:timing>
 </p:sld>
 </file>
 
@@ -4675,6 +4711,13 @@
       <p:transition xmlns:p14="http://schemas.microsoft.com/office/powerpoint/2010/main" spd="slow"/>
     </mc:Fallback>
   </mc:AlternateContent>
+  <p:timing>
+    <p:tnLst>
+      <p:par>
+        <p:cTn xmlns:p14="http://schemas.microsoft.com/office/powerpoint/2010/main" id="1" dur="indefinite" restart="never" nodeType="tmRoot"/>
+      </p:par>
+    </p:tnLst>
+  </p:timing>
 </p:sld>
 </file>
 
@@ -4845,14 +4888,7 @@
                 <a:latin typeface="Courier"/>
                 <a:cs typeface="Courier"/>
               </a:rPr>
-              <a:t>$ cd ~</a:t>
-            </a:r>
-            <a:r>
-              <a:rPr lang="en-US" sz="2000" dirty="0" smtClean="0">
-                <a:latin typeface="Courier"/>
-                <a:cs typeface="Courier"/>
-              </a:rPr>
-              <a:t>/</a:t>
+              <a:t>$ cd ~/</a:t>
             </a:r>
             <a:r>
               <a:rPr lang="en-US" sz="2000" dirty="0" err="1" smtClean="0">
@@ -4915,14 +4951,19 @@
                 <a:latin typeface="Courier"/>
                 <a:cs typeface="Courier"/>
               </a:rPr>
-              <a:t>.files</a:t>
-            </a:r>
+              <a:t>.files)</a:t>
+            </a:r>
+          </a:p>
+          <a:p>
+            <a:pPr marL="0" indent="0">
+              <a:buNone/>
+            </a:pPr>
             <a:r>
               <a:rPr lang="en-US" sz="2000" dirty="0" smtClean="0">
                 <a:latin typeface="Courier"/>
                 <a:cs typeface="Courier"/>
               </a:rPr>
-              <a:t>)</a:t>
+              <a:t># make an output folder</a:t>
             </a:r>
           </a:p>
           <a:p>
@@ -4934,38 +4975,22 @@
                 <a:latin typeface="Courier"/>
                 <a:cs typeface="Courier"/>
               </a:rPr>
-              <a:t># make an output folder</a:t>
-            </a:r>
-          </a:p>
-          <a:p>
-            <a:pPr marL="0" indent="0">
-              <a:buNone/>
-            </a:pPr>
+              <a:t>$ </a:t>
+            </a:r>
+            <a:r>
+              <a:rPr lang="en-US" sz="2000" dirty="0" err="1" smtClean="0">
+                <a:latin typeface="Courier"/>
+                <a:cs typeface="Courier"/>
+              </a:rPr>
+              <a:t>mkdir</a:t>
+            </a:r>
             <a:r>
               <a:rPr lang="en-US" sz="2000" dirty="0" smtClean="0">
                 <a:latin typeface="Courier"/>
                 <a:cs typeface="Courier"/>
               </a:rPr>
-              <a:t>$ </a:t>
-            </a:r>
-            <a:r>
-              <a:rPr lang="en-US" sz="2000" dirty="0" err="1" smtClean="0">
-                <a:latin typeface="Courier"/>
-                <a:cs typeface="Courier"/>
-              </a:rPr>
-              <a:t>mkdir</a:t>
-            </a:r>
-            <a:r>
-              <a:rPr lang="en-US" sz="2000" dirty="0" smtClean="0">
-                <a:latin typeface="Courier"/>
-                <a:cs typeface="Courier"/>
-              </a:rPr>
               <a:t> output</a:t>
             </a:r>
-            <a:endParaRPr lang="en-US" sz="2000" dirty="0" smtClean="0">
-              <a:latin typeface="Courier"/>
-              <a:cs typeface="Courier"/>
-            </a:endParaRPr>
           </a:p>
           <a:p>
             <a:pPr marL="0" indent="0">
@@ -5126,6 +5151,13 @@
       <p:transition xmlns:p14="http://schemas.microsoft.com/office/powerpoint/2010/main" spd="slow"/>
     </mc:Fallback>
   </mc:AlternateContent>
+  <p:timing>
+    <p:tnLst>
+      <p:par>
+        <p:cTn xmlns:p14="http://schemas.microsoft.com/office/powerpoint/2010/main" id="1" dur="indefinite" restart="never" nodeType="tmRoot"/>
+      </p:par>
+    </p:tnLst>
+  </p:timing>
 </p:sld>
 </file>
 
@@ -5256,14 +5288,7 @@
                 <a:latin typeface="Courier"/>
                 <a:cs typeface="Courier"/>
               </a:rPr>
-              <a:t># </a:t>
-            </a:r>
-            <a:r>
-              <a:rPr lang="en-US" sz="2000" dirty="0" smtClean="0">
-                <a:latin typeface="Courier"/>
-                <a:cs typeface="Courier"/>
-              </a:rPr>
-              <a:t>cat concatenates two or more files</a:t>
+              <a:t># cat concatenates two or more files</a:t>
             </a:r>
           </a:p>
           <a:p>
@@ -5445,6 +5470,13 @@
       <p:transition xmlns:p14="http://schemas.microsoft.com/office/powerpoint/2010/main" spd="slow"/>
     </mc:Fallback>
   </mc:AlternateContent>
+  <p:timing>
+    <p:tnLst>
+      <p:par>
+        <p:cTn xmlns:p14="http://schemas.microsoft.com/office/powerpoint/2010/main" id="1" dur="indefinite" restart="never" nodeType="tmRoot"/>
+      </p:par>
+    </p:tnLst>
+  </p:timing>
 </p:sld>
 </file>
 
@@ -5730,6 +5762,13 @@
   <p:clrMapOvr>
     <a:masterClrMapping/>
   </p:clrMapOvr>
+  <p:timing>
+    <p:tnLst>
+      <p:par>
+        <p:cTn xmlns:p14="http://schemas.microsoft.com/office/powerpoint/2010/main" id="1" dur="indefinite" restart="never" nodeType="tmRoot"/>
+      </p:par>
+    </p:tnLst>
+  </p:timing>
 </p:sld>
 </file>
 
@@ -5780,7 +5819,6 @@
               <a:rPr lang="en-US" dirty="0"/>
               <a:t> Variant Calling</a:t>
             </a:r>
-            <a:endParaRPr lang="en-US" dirty="0"/>
           </a:p>
         </p:txBody>
       </p:sp>
@@ -5854,21 +5892,7 @@
                 <a:latin typeface="Courier"/>
                 <a:cs typeface="Courier"/>
               </a:rPr>
-              <a:t> -f </a:t>
-            </a:r>
-            <a:r>
-              <a:rPr lang="en-US" sz="2000" dirty="0" smtClean="0">
-                <a:latin typeface="Courier"/>
-                <a:cs typeface="Courier"/>
-              </a:rPr>
-              <a:t>ref/hg19.fasta </a:t>
-            </a:r>
-            <a:r>
-              <a:rPr lang="en-US" sz="2000" dirty="0" smtClean="0">
-                <a:latin typeface="Courier"/>
-                <a:cs typeface="Courier"/>
-              </a:rPr>
-              <a:t>-q 20 --</a:t>
+              <a:t> -f ref/hg19.fasta -q 20 --</a:t>
             </a:r>
             <a:r>
               <a:rPr lang="en-US" sz="2000" dirty="0" err="1" smtClean="0">
@@ -6126,6 +6150,13 @@
       <p:transition xmlns:p14="http://schemas.microsoft.com/office/powerpoint/2010/main" spd="slow"/>
     </mc:Fallback>
   </mc:AlternateContent>
+  <p:timing>
+    <p:tnLst>
+      <p:par>
+        <p:cTn xmlns:p14="http://schemas.microsoft.com/office/powerpoint/2010/main" id="1" dur="indefinite" restart="never" nodeType="tmRoot"/>
+      </p:par>
+    </p:tnLst>
+  </p:timing>
 </p:sld>
 </file>
 
@@ -6176,7 +6207,6 @@
               <a:rPr lang="en-US" dirty="0"/>
               <a:t> Variant Calling and Allele-Specific Expression Analysis </a:t>
             </a:r>
-            <a:endParaRPr lang="en-US" dirty="0"/>
           </a:p>
         </p:txBody>
       </p:sp>
@@ -6230,7 +6260,6 @@
               <a:rPr lang="en-US" dirty="0" smtClean="0"/>
               <a:t>Allele-specific expression concepts</a:t>
             </a:r>
-            <a:endParaRPr lang="en-US" dirty="0" smtClean="0"/>
           </a:p>
           <a:p>
             <a:pPr marL="514350" indent="-514350">
@@ -6269,7 +6298,6 @@
               <a:rPr lang="en-US" dirty="0" smtClean="0"/>
               <a:t>Interpreting results of allele-specific expression analysis</a:t>
             </a:r>
-            <a:endParaRPr lang="en-US" dirty="0" smtClean="0"/>
           </a:p>
           <a:p>
             <a:endParaRPr lang="en-US" dirty="0" smtClean="0"/>
@@ -6300,6 +6328,13 @@
       <p:transition xmlns:p14="http://schemas.microsoft.com/office/powerpoint/2010/main" spd="slow"/>
     </mc:Fallback>
   </mc:AlternateContent>
+  <p:timing>
+    <p:tnLst>
+      <p:par>
+        <p:cTn xmlns:p14="http://schemas.microsoft.com/office/powerpoint/2010/main" id="1" dur="indefinite" restart="never" nodeType="tmRoot"/>
+      </p:par>
+    </p:tnLst>
+  </p:timing>
 </p:sld>
 </file>
 
@@ -6350,7 +6385,6 @@
               <a:rPr lang="en-US" dirty="0"/>
               <a:t> Variant Calling</a:t>
             </a:r>
-            <a:endParaRPr lang="en-US" dirty="0"/>
           </a:p>
         </p:txBody>
       </p:sp>
@@ -6399,32 +6433,39 @@
               <a:t>$ </a:t>
             </a:r>
             <a:r>
-              <a:rPr lang="en-US" sz="2000" dirty="0" err="1">
+              <a:rPr lang="en-US" sz="2000" dirty="0" err="1" smtClean="0">
                 <a:latin typeface="Courier"/>
                 <a:cs typeface="Courier"/>
               </a:rPr>
               <a:t>bcftools</a:t>
             </a:r>
             <a:r>
+              <a:rPr lang="en-US" sz="2000" dirty="0" smtClean="0">
+                <a:latin typeface="Courier"/>
+                <a:cs typeface="Courier"/>
+              </a:rPr>
+              <a:t> </a:t>
+            </a:r>
+            <a:r>
+              <a:rPr lang="en-US" sz="2000" dirty="0" err="1" smtClean="0">
+                <a:latin typeface="Courier"/>
+                <a:cs typeface="Courier"/>
+              </a:rPr>
+              <a:t>mpileup</a:t>
+            </a:r>
+            <a:r>
+              <a:rPr lang="en-US" sz="2000" dirty="0" smtClean="0">
+                <a:latin typeface="Courier"/>
+                <a:cs typeface="Courier"/>
+              </a:rPr>
+              <a:t> </a:t>
+            </a:r>
+            <a:r>
               <a:rPr lang="en-US" sz="2000" dirty="0">
                 <a:latin typeface="Courier"/>
                 <a:cs typeface="Courier"/>
               </a:rPr>
-              <a:t> </a:t>
-            </a:r>
-            <a:r>
-              <a:rPr lang="en-US" sz="2000" dirty="0" err="1">
-                <a:latin typeface="Courier"/>
-                <a:cs typeface="Courier"/>
-              </a:rPr>
-              <a:t>mpileup</a:t>
-            </a:r>
-            <a:r>
-              <a:rPr lang="en-US" sz="2000" dirty="0">
-                <a:latin typeface="Courier"/>
-                <a:cs typeface="Courier"/>
-              </a:rPr>
-              <a:t> -f ref/hg19.fasta </a:t>
+              <a:t>-f ref/hg19.fasta </a:t>
             </a:r>
             <a:r>
               <a:rPr lang="en-US" sz="2000" dirty="0" smtClean="0">
@@ -6471,11 +6512,18 @@
               <a:buNone/>
             </a:pPr>
             <a:r>
+              <a:rPr lang="en-US" sz="2000" dirty="0" smtClean="0">
+                <a:latin typeface="Courier"/>
+                <a:cs typeface="Courier"/>
+              </a:rPr>
+              <a:t>-a </a:t>
+            </a:r>
+            <a:r>
               <a:rPr lang="en-US" sz="2000" dirty="0">
                 <a:latin typeface="Courier"/>
                 <a:cs typeface="Courier"/>
               </a:rPr>
-              <a:t>-a FORMAT/AD,FORMAT/DP </a:t>
+              <a:t>FORMAT/AD,FORMAT/DP </a:t>
             </a:r>
             <a:r>
               <a:rPr lang="en-US" sz="2000" dirty="0" smtClean="0">
@@ -6613,14 +6661,40 @@
                 <a:latin typeface="Courier"/>
                 <a:cs typeface="Courier"/>
               </a:rPr>
-              <a:t>   # </a:t>
+              <a:t>   # bi-allelic variants; don’t use for standard</a:t>
+            </a:r>
+          </a:p>
+          <a:p>
+            <a:pPr marL="0" indent="0">
+              <a:buNone/>
+            </a:pPr>
+            <a:r>
+              <a:rPr lang="en-US" sz="2000" dirty="0">
+                <a:latin typeface="Courier"/>
+                <a:cs typeface="Courier"/>
+              </a:rPr>
+              <a:t> </a:t>
             </a:r>
             <a:r>
               <a:rPr lang="en-US" sz="2000" dirty="0" smtClean="0">
                 <a:latin typeface="Courier"/>
                 <a:cs typeface="Courier"/>
               </a:rPr>
-              <a:t>bi-allelic variants; don’t use for standard</a:t>
+              <a:t>   # DNA-</a:t>
+            </a:r>
+            <a:r>
+              <a:rPr lang="en-US" sz="2000" dirty="0" err="1" smtClean="0">
+                <a:latin typeface="Courier"/>
+                <a:cs typeface="Courier"/>
+              </a:rPr>
+              <a:t>seq</a:t>
+            </a:r>
+            <a:r>
+              <a:rPr lang="en-US" sz="2000" dirty="0" smtClean="0">
+                <a:latin typeface="Courier"/>
+                <a:cs typeface="Courier"/>
+              </a:rPr>
+              <a:t> variant calling!</a:t>
             </a:r>
           </a:p>
           <a:p>
@@ -6628,37 +6702,38 @@
               <a:buNone/>
             </a:pPr>
             <a:r>
-              <a:rPr lang="en-US" sz="2000" dirty="0">
-                <a:latin typeface="Courier"/>
-                <a:cs typeface="Courier"/>
-              </a:rPr>
-              <a:t> </a:t>
-            </a:r>
-            <a:r>
               <a:rPr lang="en-US" sz="2000" dirty="0" smtClean="0">
                 <a:latin typeface="Courier"/>
                 <a:cs typeface="Courier"/>
               </a:rPr>
-              <a:t>   # DNA-</a:t>
+              <a:t>-v  # only output variant sites</a:t>
+            </a:r>
+          </a:p>
+          <a:p>
+            <a:pPr marL="0" indent="0">
+              <a:buNone/>
+            </a:pPr>
+            <a:r>
+              <a:rPr lang="en-US" sz="2000" dirty="0" smtClean="0">
+                <a:latin typeface="Courier"/>
+                <a:cs typeface="Courier"/>
+              </a:rPr>
+              <a:t>-O z  # output </a:t>
             </a:r>
             <a:r>
               <a:rPr lang="en-US" sz="2000" dirty="0" err="1" smtClean="0">
                 <a:latin typeface="Courier"/>
                 <a:cs typeface="Courier"/>
               </a:rPr>
-              <a:t>seq</a:t>
+              <a:t>gzip</a:t>
             </a:r>
             <a:r>
               <a:rPr lang="en-US" sz="2000" dirty="0" smtClean="0">
                 <a:latin typeface="Courier"/>
                 <a:cs typeface="Courier"/>
               </a:rPr>
-              <a:t> variant calling!</a:t>
-            </a:r>
-            <a:endParaRPr lang="en-US" sz="2000" dirty="0" smtClean="0">
-              <a:latin typeface="Courier"/>
-              <a:cs typeface="Courier"/>
-            </a:endParaRPr>
+              <a:t>-compressed output</a:t>
+            </a:r>
           </a:p>
           <a:p>
             <a:pPr marL="0" indent="0">
@@ -6669,64 +6744,22 @@
                 <a:latin typeface="Courier"/>
                 <a:cs typeface="Courier"/>
               </a:rPr>
-              <a:t>-v  # only output variant sites</a:t>
-            </a:r>
-          </a:p>
-          <a:p>
-            <a:pPr marL="0" indent="0">
-              <a:buNone/>
-            </a:pPr>
+              <a:t>-o </a:t>
+            </a:r>
+            <a:r>
+              <a:rPr lang="en-US" sz="2000" dirty="0" err="1" smtClean="0">
+                <a:latin typeface="Courier"/>
+                <a:cs typeface="Courier"/>
+              </a:rPr>
+              <a:t>variants.vcf.gz</a:t>
+            </a:r>
             <a:r>
               <a:rPr lang="en-US" sz="2000" dirty="0" smtClean="0">
                 <a:latin typeface="Courier"/>
                 <a:cs typeface="Courier"/>
               </a:rPr>
-              <a:t>-O z  # output </a:t>
-            </a:r>
-            <a:r>
-              <a:rPr lang="en-US" sz="2000" dirty="0" err="1" smtClean="0">
-                <a:latin typeface="Courier"/>
-                <a:cs typeface="Courier"/>
-              </a:rPr>
-              <a:t>gzip</a:t>
-            </a:r>
-            <a:r>
-              <a:rPr lang="en-US" sz="2000" dirty="0" smtClean="0">
-                <a:latin typeface="Courier"/>
-                <a:cs typeface="Courier"/>
-              </a:rPr>
-              <a:t>-compressed output</a:t>
-            </a:r>
-          </a:p>
-          <a:p>
-            <a:pPr marL="0" indent="0">
-              <a:buNone/>
-            </a:pPr>
-            <a:r>
-              <a:rPr lang="en-US" sz="2000" dirty="0" smtClean="0">
-                <a:latin typeface="Courier"/>
-                <a:cs typeface="Courier"/>
-              </a:rPr>
-              <a:t>-o </a:t>
-            </a:r>
-            <a:r>
-              <a:rPr lang="en-US" sz="2000" dirty="0" err="1" smtClean="0">
-                <a:latin typeface="Courier"/>
-                <a:cs typeface="Courier"/>
-              </a:rPr>
-              <a:t>variants.vcf.gz</a:t>
-            </a:r>
-            <a:r>
-              <a:rPr lang="en-US" sz="2000" dirty="0" smtClean="0">
-                <a:latin typeface="Courier"/>
-                <a:cs typeface="Courier"/>
-              </a:rPr>
               <a:t>  # the output file name</a:t>
             </a:r>
-            <a:endParaRPr lang="en-US" sz="2000" dirty="0" smtClean="0">
-              <a:latin typeface="Courier"/>
-              <a:cs typeface="Courier"/>
-            </a:endParaRPr>
           </a:p>
           <a:p>
             <a:pPr marL="0" indent="0">
@@ -6757,6 +6790,13 @@
       <p:transition xmlns:p14="http://schemas.microsoft.com/office/powerpoint/2010/main" spd="slow"/>
     </mc:Fallback>
   </mc:AlternateContent>
+  <p:timing>
+    <p:tnLst>
+      <p:par>
+        <p:cTn xmlns:p14="http://schemas.microsoft.com/office/powerpoint/2010/main" id="1" dur="indefinite" restart="never" nodeType="tmRoot"/>
+      </p:par>
+    </p:tnLst>
+  </p:timing>
 </p:sld>
 </file>
 
@@ -7268,6 +7308,13 @@
       <p:transition xmlns:p14="http://schemas.microsoft.com/office/powerpoint/2010/main" spd="slow"/>
     </mc:Fallback>
   </mc:AlternateContent>
+  <p:timing>
+    <p:tnLst>
+      <p:par>
+        <p:cTn xmlns:p14="http://schemas.microsoft.com/office/powerpoint/2010/main" id="1" dur="indefinite" restart="never" nodeType="tmRoot"/>
+      </p:par>
+    </p:tnLst>
+  </p:timing>
 </p:sld>
 </file>
 
@@ -7701,6 +7748,13 @@
       <p:transition xmlns:p14="http://schemas.microsoft.com/office/powerpoint/2010/main" spd="slow"/>
     </mc:Fallback>
   </mc:AlternateContent>
+  <p:timing>
+    <p:tnLst>
+      <p:par>
+        <p:cTn xmlns:p14="http://schemas.microsoft.com/office/powerpoint/2010/main" id="1" dur="indefinite" restart="never" nodeType="tmRoot"/>
+      </p:par>
+    </p:tnLst>
+  </p:timing>
 </p:sld>
 </file>
 
@@ -8152,6 +8206,13 @@
       <p:transition xmlns:p14="http://schemas.microsoft.com/office/powerpoint/2010/main" spd="slow"/>
     </mc:Fallback>
   </mc:AlternateContent>
+  <p:timing>
+    <p:tnLst>
+      <p:par>
+        <p:cTn xmlns:p14="http://schemas.microsoft.com/office/powerpoint/2010/main" id="1" dur="indefinite" restart="never" nodeType="tmRoot"/>
+      </p:par>
+    </p:tnLst>
+  </p:timing>
 </p:sld>
 </file>
 
@@ -8316,6 +8377,13 @@
   <p:clrMapOvr>
     <a:masterClrMapping/>
   </p:clrMapOvr>
+  <p:timing>
+    <p:tnLst>
+      <p:par>
+        <p:cTn xmlns:p14="http://schemas.microsoft.com/office/powerpoint/2010/main" id="1" dur="indefinite" restart="never" nodeType="tmRoot"/>
+      </p:par>
+    </p:tnLst>
+  </p:timing>
 </p:sld>
 </file>
 
@@ -8366,7 +8434,6 @@
               <a:rPr lang="en-US" dirty="0"/>
               <a:t> Variant Calling</a:t>
             </a:r>
-            <a:endParaRPr lang="en-US" dirty="0"/>
           </a:p>
         </p:txBody>
       </p:sp>
@@ -8414,6 +8481,213 @@
               </a:rPr>
               <a:t># -c tells what columns to use for matching for BED file</a:t>
             </a:r>
+          </a:p>
+          <a:p>
+            <a:pPr marL="0" indent="0">
+              <a:buNone/>
+            </a:pPr>
+            <a:r>
+              <a:rPr lang="en-US" sz="2000" dirty="0" smtClean="0">
+                <a:latin typeface="Courier"/>
+                <a:cs typeface="Courier"/>
+              </a:rPr>
+              <a:t># -m adds a “EXCLUDE” tag in the info field</a:t>
+            </a:r>
+          </a:p>
+          <a:p>
+            <a:pPr marL="0" indent="0">
+              <a:buNone/>
+            </a:pPr>
+            <a:r>
+              <a:rPr lang="en-US" sz="2000" dirty="0" smtClean="0">
+                <a:latin typeface="Courier"/>
+                <a:cs typeface="Courier"/>
+              </a:rPr>
+              <a:t>$ </a:t>
+            </a:r>
+            <a:r>
+              <a:rPr lang="en-US" sz="2000" dirty="0" err="1" smtClean="0">
+                <a:latin typeface="Courier"/>
+                <a:cs typeface="Courier"/>
+              </a:rPr>
+              <a:t>bcftools</a:t>
+            </a:r>
+            <a:r>
+              <a:rPr lang="en-US" sz="2000" dirty="0" smtClean="0">
+                <a:latin typeface="Courier"/>
+                <a:cs typeface="Courier"/>
+              </a:rPr>
+              <a:t> annotate -a annotations/</a:t>
+            </a:r>
+            <a:r>
+              <a:rPr lang="en-US" sz="2000" dirty="0" err="1" smtClean="0">
+                <a:latin typeface="Courier"/>
+                <a:cs typeface="Courier"/>
+              </a:rPr>
+              <a:t>filter_sites.bed.gz</a:t>
+            </a:r>
+            <a:r>
+              <a:rPr lang="en-US" sz="2000" dirty="0" smtClean="0">
+                <a:latin typeface="Courier"/>
+                <a:cs typeface="Courier"/>
+              </a:rPr>
+              <a:t> \</a:t>
+            </a:r>
+          </a:p>
+          <a:p>
+            <a:pPr marL="0" indent="0">
+              <a:buNone/>
+            </a:pPr>
+            <a:r>
+              <a:rPr lang="en-US" sz="2000" dirty="0">
+                <a:latin typeface="Courier"/>
+                <a:cs typeface="Courier"/>
+              </a:rPr>
+              <a:t>-c CHROM,-,</a:t>
+            </a:r>
+            <a:r>
+              <a:rPr lang="en-US" sz="2000" dirty="0" smtClean="0">
+                <a:latin typeface="Courier"/>
+                <a:cs typeface="Courier"/>
+              </a:rPr>
+              <a:t>POS -m +EXCLUDE -O z \</a:t>
+            </a:r>
+          </a:p>
+          <a:p>
+            <a:pPr marL="0" indent="0">
+              <a:buNone/>
+            </a:pPr>
+            <a:r>
+              <a:rPr lang="en-US" sz="2000" dirty="0" smtClean="0">
+                <a:latin typeface="Courier"/>
+                <a:cs typeface="Courier"/>
+              </a:rPr>
+              <a:t>-o outputs/</a:t>
+            </a:r>
+            <a:r>
+              <a:rPr lang="en-US" sz="2000" dirty="0" err="1" smtClean="0">
+                <a:latin typeface="Courier"/>
+                <a:cs typeface="Courier"/>
+              </a:rPr>
+              <a:t>variants_annotated.vcf.gz</a:t>
+            </a:r>
+            <a:r>
+              <a:rPr lang="en-US" sz="2000" dirty="0" smtClean="0">
+                <a:latin typeface="Courier"/>
+                <a:cs typeface="Courier"/>
+              </a:rPr>
+              <a:t> \</a:t>
+            </a:r>
+          </a:p>
+          <a:p>
+            <a:pPr marL="0" indent="0">
+              <a:buNone/>
+            </a:pPr>
+            <a:r>
+              <a:rPr lang="en-US" sz="2000" dirty="0" smtClean="0">
+                <a:latin typeface="Courier"/>
+                <a:cs typeface="Courier"/>
+              </a:rPr>
+              <a:t>outputs/</a:t>
+            </a:r>
+            <a:r>
+              <a:rPr lang="en-US" sz="2000" dirty="0" err="1" smtClean="0">
+                <a:latin typeface="Courier"/>
+                <a:cs typeface="Courier"/>
+              </a:rPr>
+              <a:t>variants.vcf.gz</a:t>
+            </a:r>
+            <a:endParaRPr lang="en-US" sz="2000" dirty="0">
+              <a:latin typeface="Courier"/>
+              <a:cs typeface="Courier"/>
+            </a:endParaRPr>
+          </a:p>
+          <a:p>
+            <a:pPr marL="0" indent="0">
+              <a:buNone/>
+            </a:pPr>
+            <a:endParaRPr lang="en-US" sz="2000" dirty="0">
+              <a:latin typeface="Courier"/>
+              <a:cs typeface="Courier"/>
+            </a:endParaRPr>
+          </a:p>
+          <a:p>
+            <a:pPr marL="0" indent="0">
+              <a:buNone/>
+            </a:pPr>
+            <a:r>
+              <a:rPr lang="en-US" sz="2000" dirty="0" smtClean="0">
+                <a:latin typeface="Courier"/>
+                <a:cs typeface="Courier"/>
+              </a:rPr>
+              <a:t># check that variants have been tagged</a:t>
+            </a:r>
+          </a:p>
+          <a:p>
+            <a:pPr marL="0" indent="0">
+              <a:buNone/>
+            </a:pPr>
+            <a:r>
+              <a:rPr lang="en-US" sz="2000" dirty="0" smtClean="0">
+                <a:latin typeface="Courier"/>
+                <a:cs typeface="Courier"/>
+              </a:rPr>
+              <a:t>$ </a:t>
+            </a:r>
+            <a:r>
+              <a:rPr lang="en-US" sz="2000" dirty="0" err="1" smtClean="0">
+                <a:latin typeface="Courier"/>
+                <a:cs typeface="Courier"/>
+              </a:rPr>
+              <a:t>zcat</a:t>
+            </a:r>
+            <a:r>
+              <a:rPr lang="en-US" sz="2000" dirty="0" smtClean="0">
+                <a:latin typeface="Courier"/>
+                <a:cs typeface="Courier"/>
+              </a:rPr>
+              <a:t> </a:t>
+            </a:r>
+            <a:r>
+              <a:rPr lang="en-US" sz="2000" dirty="0">
+                <a:latin typeface="Courier"/>
+                <a:cs typeface="Courier"/>
+              </a:rPr>
+              <a:t>results/</a:t>
+            </a:r>
+            <a:r>
+              <a:rPr lang="en-US" sz="2000" dirty="0" err="1">
+                <a:latin typeface="Courier"/>
+                <a:cs typeface="Courier"/>
+              </a:rPr>
+              <a:t>variants_annotated.vcf.gz</a:t>
+            </a:r>
+            <a:r>
+              <a:rPr lang="en-US" sz="2000" dirty="0">
+                <a:latin typeface="Courier"/>
+                <a:cs typeface="Courier"/>
+              </a:rPr>
+              <a:t>| </a:t>
+            </a:r>
+            <a:r>
+              <a:rPr lang="en-US" sz="2000" dirty="0" err="1">
+                <a:latin typeface="Courier"/>
+                <a:cs typeface="Courier"/>
+              </a:rPr>
+              <a:t>grep</a:t>
+            </a:r>
+            <a:r>
+              <a:rPr lang="en-US" sz="2000" dirty="0">
+                <a:latin typeface="Courier"/>
+                <a:cs typeface="Courier"/>
+              </a:rPr>
+              <a:t> EXCLUDE</a:t>
+            </a:r>
+          </a:p>
+          <a:p>
+            <a:pPr marL="0" indent="0">
+              <a:buNone/>
+            </a:pPr>
             <a:endParaRPr lang="en-US" sz="2000" dirty="0" smtClean="0">
               <a:latin typeface="Courier"/>
               <a:cs typeface="Courier"/>
@@ -8428,7 +8702,104 @@
                 <a:latin typeface="Courier"/>
                 <a:cs typeface="Courier"/>
               </a:rPr>
-              <a:t># -m adds a “EXCLUDE” tag in the info field</a:t>
+              <a:t># filter out sites annotated with </a:t>
+            </a:r>
+            <a:r>
+              <a:rPr lang="en-US" sz="2000" dirty="0">
+                <a:latin typeface="Courier"/>
+                <a:cs typeface="Courier"/>
+              </a:rPr>
+              <a:t>a “</a:t>
+            </a:r>
+            <a:r>
+              <a:rPr lang="en-US" sz="2000" dirty="0" smtClean="0">
+                <a:latin typeface="Courier"/>
+                <a:cs typeface="Courier"/>
+              </a:rPr>
+              <a:t>EXCLUDE” tag</a:t>
+            </a:r>
+          </a:p>
+          <a:p>
+            <a:pPr marL="0" indent="0">
+              <a:buNone/>
+            </a:pPr>
+            <a:r>
+              <a:rPr lang="en-US" sz="2000" dirty="0" smtClean="0">
+                <a:latin typeface="Courier"/>
+                <a:cs typeface="Courier"/>
+              </a:rPr>
+              <a:t># -e gives an expression specifying which sites to exclude</a:t>
+            </a:r>
+          </a:p>
+          <a:p>
+            <a:pPr marL="0" indent="0">
+              <a:buNone/>
+            </a:pPr>
+            <a:r>
+              <a:rPr lang="en-US" sz="2000" dirty="0" smtClean="0">
+                <a:latin typeface="Courier"/>
+                <a:cs typeface="Courier"/>
+              </a:rPr>
+              <a:t>$ </a:t>
+            </a:r>
+            <a:r>
+              <a:rPr lang="en-US" sz="2000" dirty="0" err="1" smtClean="0">
+                <a:latin typeface="Courier"/>
+                <a:cs typeface="Courier"/>
+              </a:rPr>
+              <a:t>bcftools</a:t>
+            </a:r>
+            <a:r>
+              <a:rPr lang="en-US" sz="2000" dirty="0" smtClean="0">
+                <a:latin typeface="Courier"/>
+                <a:cs typeface="Courier"/>
+              </a:rPr>
+              <a:t> filter -e EXCLUDE -O z \</a:t>
+            </a:r>
+          </a:p>
+          <a:p>
+            <a:pPr marL="0" indent="0">
+              <a:buNone/>
+            </a:pPr>
+            <a:r>
+              <a:rPr lang="en-US" sz="2000" dirty="0" smtClean="0">
+                <a:latin typeface="Courier"/>
+                <a:cs typeface="Courier"/>
+              </a:rPr>
+              <a:t>-o outputs/</a:t>
+            </a:r>
+            <a:r>
+              <a:rPr lang="en-US" sz="2000" dirty="0" err="1" smtClean="0">
+                <a:latin typeface="Courier"/>
+                <a:cs typeface="Courier"/>
+              </a:rPr>
+              <a:t>variants_filtered.vcf.gz</a:t>
+            </a:r>
+            <a:r>
+              <a:rPr lang="en-US" sz="2000" dirty="0" smtClean="0">
+                <a:latin typeface="Courier"/>
+                <a:cs typeface="Courier"/>
+              </a:rPr>
+              <a:t> \</a:t>
+            </a:r>
+          </a:p>
+          <a:p>
+            <a:pPr marL="0" indent="0">
+              <a:buNone/>
+            </a:pPr>
+            <a:r>
+              <a:rPr lang="en-US" sz="2000" dirty="0" smtClean="0">
+                <a:latin typeface="Courier"/>
+                <a:cs typeface="Courier"/>
+              </a:rPr>
+              <a:t>outputs/</a:t>
+            </a:r>
+            <a:r>
+              <a:rPr lang="en-US" sz="2000" dirty="0" err="1" smtClean="0">
+                <a:latin typeface="Courier"/>
+                <a:cs typeface="Courier"/>
+              </a:rPr>
+              <a:t>variants_annotated.vcf.gz</a:t>
             </a:r>
             <a:endParaRPr lang="en-US" sz="2000" dirty="0" smtClean="0">
               <a:latin typeface="Courier"/>
@@ -8439,105 +8810,6 @@
             <a:pPr marL="0" indent="0">
               <a:buNone/>
             </a:pPr>
-            <a:r>
-              <a:rPr lang="en-US" sz="2000" dirty="0" smtClean="0">
-                <a:latin typeface="Courier"/>
-                <a:cs typeface="Courier"/>
-              </a:rPr>
-              <a:t>$ </a:t>
-            </a:r>
-            <a:r>
-              <a:rPr lang="en-US" sz="2000" dirty="0" err="1" smtClean="0">
-                <a:latin typeface="Courier"/>
-                <a:cs typeface="Courier"/>
-              </a:rPr>
-              <a:t>bcftools</a:t>
-            </a:r>
-            <a:r>
-              <a:rPr lang="en-US" sz="2000" dirty="0" smtClean="0">
-                <a:latin typeface="Courier"/>
-                <a:cs typeface="Courier"/>
-              </a:rPr>
-              <a:t> annotate -a annotations/</a:t>
-            </a:r>
-            <a:r>
-              <a:rPr lang="en-US" sz="2000" dirty="0" err="1" smtClean="0">
-                <a:latin typeface="Courier"/>
-                <a:cs typeface="Courier"/>
-              </a:rPr>
-              <a:t>filter_sites.bed.gz</a:t>
-            </a:r>
-            <a:r>
-              <a:rPr lang="en-US" sz="2000" dirty="0" smtClean="0">
-                <a:latin typeface="Courier"/>
-                <a:cs typeface="Courier"/>
-              </a:rPr>
-              <a:t> \</a:t>
-            </a:r>
-          </a:p>
-          <a:p>
-            <a:pPr marL="0" indent="0">
-              <a:buNone/>
-            </a:pPr>
-            <a:r>
-              <a:rPr lang="en-US" sz="2000" dirty="0">
-                <a:latin typeface="Courier"/>
-                <a:cs typeface="Courier"/>
-              </a:rPr>
-              <a:t>-c CHROM,-,</a:t>
-            </a:r>
-            <a:r>
-              <a:rPr lang="en-US" sz="2000" dirty="0" smtClean="0">
-                <a:latin typeface="Courier"/>
-                <a:cs typeface="Courier"/>
-              </a:rPr>
-              <a:t>POS -m +EXCLUDE -O z \</a:t>
-            </a:r>
-          </a:p>
-          <a:p>
-            <a:pPr marL="0" indent="0">
-              <a:buNone/>
-            </a:pPr>
-            <a:r>
-              <a:rPr lang="en-US" sz="2000" dirty="0" smtClean="0">
-                <a:latin typeface="Courier"/>
-                <a:cs typeface="Courier"/>
-              </a:rPr>
-              <a:t>-o outputs/</a:t>
-            </a:r>
-            <a:r>
-              <a:rPr lang="en-US" sz="2000" dirty="0" err="1" smtClean="0">
-                <a:latin typeface="Courier"/>
-                <a:cs typeface="Courier"/>
-              </a:rPr>
-              <a:t>variants_annotated.vcf.gz</a:t>
-            </a:r>
-            <a:r>
-              <a:rPr lang="en-US" sz="2000" dirty="0" smtClean="0">
-                <a:latin typeface="Courier"/>
-                <a:cs typeface="Courier"/>
-              </a:rPr>
-              <a:t> \</a:t>
-            </a:r>
-          </a:p>
-          <a:p>
-            <a:pPr marL="0" indent="0">
-              <a:buNone/>
-            </a:pPr>
-            <a:r>
-              <a:rPr lang="en-US" sz="2000" dirty="0" smtClean="0">
-                <a:latin typeface="Courier"/>
-                <a:cs typeface="Courier"/>
-              </a:rPr>
-              <a:t>outputs/</a:t>
-            </a:r>
-            <a:r>
-              <a:rPr lang="en-US" sz="2000" dirty="0" err="1" smtClean="0">
-                <a:latin typeface="Courier"/>
-                <a:cs typeface="Courier"/>
-              </a:rPr>
-              <a:t>variants.vcf.gz</a:t>
-            </a:r>
             <a:endParaRPr lang="en-US" sz="2000" dirty="0">
               <a:latin typeface="Courier"/>
               <a:cs typeface="Courier"/>
@@ -8547,6 +8819,20 @@
             <a:pPr marL="0" indent="0">
               <a:buNone/>
             </a:pPr>
+            <a:r>
+              <a:rPr lang="en-US" sz="2000" dirty="0">
+                <a:latin typeface="Courier"/>
+                <a:cs typeface="Courier"/>
+              </a:rPr>
+              <a:t># check that </a:t>
+            </a:r>
+            <a:r>
+              <a:rPr lang="en-US" sz="2000" dirty="0" smtClean="0">
+                <a:latin typeface="Courier"/>
+                <a:cs typeface="Courier"/>
+              </a:rPr>
+              <a:t>annotated variants are gone</a:t>
+            </a:r>
             <a:endParaRPr lang="en-US" sz="2000" dirty="0">
               <a:latin typeface="Courier"/>
               <a:cs typeface="Courier"/>
@@ -8557,299 +8843,54 @@
               <a:buNone/>
             </a:pPr>
             <a:r>
-              <a:rPr lang="en-US" sz="2000" dirty="0" smtClean="0">
-                <a:latin typeface="Courier"/>
-                <a:cs typeface="Courier"/>
-              </a:rPr>
-              <a:t># check that variants have been tagged</a:t>
-            </a:r>
-          </a:p>
-          <a:p>
-            <a:pPr marL="0" indent="0">
-              <a:buNone/>
-            </a:pPr>
-            <a:r>
-              <a:rPr lang="en-US" sz="2000" dirty="0" smtClean="0">
+              <a:rPr lang="en-US" sz="2000" dirty="0">
                 <a:latin typeface="Courier"/>
                 <a:cs typeface="Courier"/>
               </a:rPr>
               <a:t>$ </a:t>
             </a:r>
             <a:r>
+              <a:rPr lang="en-US" sz="2000" dirty="0" err="1">
+                <a:latin typeface="Courier"/>
+                <a:cs typeface="Courier"/>
+              </a:rPr>
+              <a:t>zcat</a:t>
+            </a:r>
+            <a:r>
+              <a:rPr lang="en-US" sz="2000" dirty="0">
+                <a:latin typeface="Courier"/>
+                <a:cs typeface="Courier"/>
+              </a:rPr>
+              <a:t> results/</a:t>
+            </a:r>
+            <a:r>
               <a:rPr lang="en-US" sz="2000" dirty="0" err="1" smtClean="0">
                 <a:latin typeface="Courier"/>
                 <a:cs typeface="Courier"/>
               </a:rPr>
-              <a:t>zcat</a:t>
-            </a:r>
-            <a:r>
-              <a:rPr lang="en-US" sz="2000" dirty="0" smtClean="0">
-                <a:latin typeface="Courier"/>
-                <a:cs typeface="Courier"/>
-              </a:rPr>
-              <a:t> </a:t>
+              <a:t>variants_filtered.vcf.gz</a:t>
             </a:r>
             <a:r>
               <a:rPr lang="en-US" sz="2000" dirty="0">
                 <a:latin typeface="Courier"/>
                 <a:cs typeface="Courier"/>
               </a:rPr>
-              <a:t>results/</a:t>
+              <a:t>| </a:t>
             </a:r>
             <a:r>
               <a:rPr lang="en-US" sz="2000" dirty="0" err="1">
                 <a:latin typeface="Courier"/>
                 <a:cs typeface="Courier"/>
               </a:rPr>
-              <a:t>variants_annotated.vcf.gz</a:t>
+              <a:t>grep</a:t>
             </a:r>
             <a:r>
               <a:rPr lang="en-US" sz="2000" dirty="0">
                 <a:latin typeface="Courier"/>
                 <a:cs typeface="Courier"/>
               </a:rPr>
-              <a:t>| </a:t>
-            </a:r>
-            <a:r>
-              <a:rPr lang="en-US" sz="2000" dirty="0" err="1">
-                <a:latin typeface="Courier"/>
-                <a:cs typeface="Courier"/>
-              </a:rPr>
-              <a:t>grep</a:t>
-            </a:r>
-            <a:r>
-              <a:rPr lang="en-US" sz="2000" dirty="0">
-                <a:latin typeface="Courier"/>
-                <a:cs typeface="Courier"/>
-              </a:rPr>
               <a:t> EXCLUDE</a:t>
             </a:r>
-          </a:p>
-          <a:p>
-            <a:pPr marL="0" indent="0">
-              <a:buNone/>
-            </a:pPr>
-            <a:endParaRPr lang="en-US" sz="2000" dirty="0" smtClean="0">
-              <a:latin typeface="Courier"/>
-              <a:cs typeface="Courier"/>
-            </a:endParaRPr>
-          </a:p>
-          <a:p>
-            <a:pPr marL="0" indent="0">
-              <a:buNone/>
-            </a:pPr>
-            <a:r>
-              <a:rPr lang="en-US" sz="2000" dirty="0" smtClean="0">
-                <a:latin typeface="Courier"/>
-                <a:cs typeface="Courier"/>
-              </a:rPr>
-              <a:t># filter out sites annotated with </a:t>
-            </a:r>
-            <a:r>
-              <a:rPr lang="en-US" sz="2000" dirty="0">
-                <a:latin typeface="Courier"/>
-                <a:cs typeface="Courier"/>
-              </a:rPr>
-              <a:t>a “</a:t>
-            </a:r>
-            <a:r>
-              <a:rPr lang="en-US" sz="2000" dirty="0" smtClean="0">
-                <a:latin typeface="Courier"/>
-                <a:cs typeface="Courier"/>
-              </a:rPr>
-              <a:t>EXCLUDE” </a:t>
-            </a:r>
-            <a:r>
-              <a:rPr lang="en-US" sz="2000" dirty="0" smtClean="0">
-                <a:latin typeface="Courier"/>
-                <a:cs typeface="Courier"/>
-              </a:rPr>
-              <a:t>tag</a:t>
-            </a:r>
-          </a:p>
-          <a:p>
-            <a:pPr marL="0" indent="0">
-              <a:buNone/>
-            </a:pPr>
-            <a:r>
-              <a:rPr lang="en-US" sz="2000" dirty="0" smtClean="0">
-                <a:latin typeface="Courier"/>
-                <a:cs typeface="Courier"/>
-              </a:rPr>
-              <a:t># -e gives an expression specifying which sites to </a:t>
-            </a:r>
-            <a:r>
-              <a:rPr lang="en-US" sz="2000" dirty="0" smtClean="0">
-                <a:latin typeface="Courier"/>
-                <a:cs typeface="Courier"/>
-              </a:rPr>
-              <a:t>exclude</a:t>
-            </a:r>
-          </a:p>
-          <a:p>
-            <a:pPr marL="0" indent="0">
-              <a:buNone/>
-            </a:pPr>
-            <a:r>
-              <a:rPr lang="en-US" sz="2000" dirty="0" smtClean="0">
-                <a:latin typeface="Courier"/>
-                <a:cs typeface="Courier"/>
-              </a:rPr>
-              <a:t>$ </a:t>
-            </a:r>
-            <a:r>
-              <a:rPr lang="en-US" sz="2000" dirty="0" err="1" smtClean="0">
-                <a:latin typeface="Courier"/>
-                <a:cs typeface="Courier"/>
-              </a:rPr>
-              <a:t>bcftools</a:t>
-            </a:r>
-            <a:r>
-              <a:rPr lang="en-US" sz="2000" dirty="0" smtClean="0">
-                <a:latin typeface="Courier"/>
-                <a:cs typeface="Courier"/>
-              </a:rPr>
-              <a:t> filter -e EXCLUDE -O z \</a:t>
-            </a:r>
-          </a:p>
-          <a:p>
-            <a:pPr marL="0" indent="0">
-              <a:buNone/>
-            </a:pPr>
-            <a:r>
-              <a:rPr lang="en-US" sz="2000" dirty="0" smtClean="0">
-                <a:latin typeface="Courier"/>
-                <a:cs typeface="Courier"/>
-              </a:rPr>
-              <a:t>-o outputs/</a:t>
-            </a:r>
-            <a:r>
-              <a:rPr lang="en-US" sz="2000" dirty="0" err="1" smtClean="0">
-                <a:latin typeface="Courier"/>
-                <a:cs typeface="Courier"/>
-              </a:rPr>
-              <a:t>variants_filtered.vcf.gz</a:t>
-            </a:r>
-            <a:r>
-              <a:rPr lang="en-US" sz="2000" dirty="0" smtClean="0">
-                <a:latin typeface="Courier"/>
-                <a:cs typeface="Courier"/>
-              </a:rPr>
-              <a:t> \</a:t>
-            </a:r>
-          </a:p>
-          <a:p>
-            <a:pPr marL="0" indent="0">
-              <a:buNone/>
-            </a:pPr>
-            <a:r>
-              <a:rPr lang="en-US" sz="2000" dirty="0" smtClean="0">
-                <a:latin typeface="Courier"/>
-                <a:cs typeface="Courier"/>
-              </a:rPr>
-              <a:t>outputs/</a:t>
-            </a:r>
-            <a:r>
-              <a:rPr lang="en-US" sz="2000" dirty="0" err="1" smtClean="0">
-                <a:latin typeface="Courier"/>
-                <a:cs typeface="Courier"/>
-              </a:rPr>
-              <a:t>variants_annotated.vcf.gz</a:t>
-            </a:r>
-            <a:endParaRPr lang="en-US" sz="2000" dirty="0" smtClean="0">
-              <a:latin typeface="Courier"/>
-              <a:cs typeface="Courier"/>
-            </a:endParaRPr>
-          </a:p>
-          <a:p>
-            <a:pPr marL="0" indent="0">
-              <a:buNone/>
-            </a:pPr>
-            <a:endParaRPr lang="en-US" sz="2000" dirty="0">
-              <a:latin typeface="Courier"/>
-              <a:cs typeface="Courier"/>
-            </a:endParaRPr>
-          </a:p>
-          <a:p>
-            <a:pPr marL="0" indent="0">
-              <a:buNone/>
-            </a:pPr>
-            <a:r>
-              <a:rPr lang="en-US" sz="2000" dirty="0">
-                <a:latin typeface="Courier"/>
-                <a:cs typeface="Courier"/>
-              </a:rPr>
-              <a:t># check that </a:t>
-            </a:r>
-            <a:r>
-              <a:rPr lang="en-US" sz="2000" dirty="0" smtClean="0">
-                <a:latin typeface="Courier"/>
-                <a:cs typeface="Courier"/>
-              </a:rPr>
-              <a:t>annotated variants are gone</a:t>
-            </a:r>
-            <a:endParaRPr lang="en-US" sz="2000" dirty="0">
-              <a:latin typeface="Courier"/>
-              <a:cs typeface="Courier"/>
-            </a:endParaRPr>
-          </a:p>
-          <a:p>
-            <a:pPr marL="0" indent="0">
-              <a:buNone/>
-            </a:pPr>
-            <a:r>
-              <a:rPr lang="en-US" sz="2000" dirty="0">
-                <a:latin typeface="Courier"/>
-                <a:cs typeface="Courier"/>
-              </a:rPr>
-              <a:t>$ </a:t>
-            </a:r>
-            <a:r>
-              <a:rPr lang="en-US" sz="2000" dirty="0" err="1">
-                <a:latin typeface="Courier"/>
-                <a:cs typeface="Courier"/>
-              </a:rPr>
-              <a:t>zcat</a:t>
-            </a:r>
-            <a:r>
-              <a:rPr lang="en-US" sz="2000" dirty="0">
-                <a:latin typeface="Courier"/>
-                <a:cs typeface="Courier"/>
-              </a:rPr>
-              <a:t> results/</a:t>
-            </a:r>
-            <a:r>
-              <a:rPr lang="en-US" sz="2000" dirty="0" err="1" smtClean="0">
-                <a:latin typeface="Courier"/>
-                <a:cs typeface="Courier"/>
-              </a:rPr>
-              <a:t>variants_filtered.vcf.gz</a:t>
-            </a:r>
-            <a:r>
-              <a:rPr lang="en-US" sz="2000" dirty="0">
-                <a:latin typeface="Courier"/>
-                <a:cs typeface="Courier"/>
-              </a:rPr>
-              <a:t>| </a:t>
-            </a:r>
-            <a:r>
-              <a:rPr lang="en-US" sz="2000" dirty="0" err="1">
-                <a:latin typeface="Courier"/>
-                <a:cs typeface="Courier"/>
-              </a:rPr>
-              <a:t>grep</a:t>
-            </a:r>
-            <a:r>
-              <a:rPr lang="en-US" sz="2000" dirty="0">
-                <a:latin typeface="Courier"/>
-                <a:cs typeface="Courier"/>
-              </a:rPr>
-              <a:t> EXCLUDE</a:t>
-            </a:r>
-            <a:endParaRPr lang="en-US" sz="2000" dirty="0">
-              <a:latin typeface="Courier"/>
-              <a:cs typeface="Courier"/>
-            </a:endParaRPr>
           </a:p>
         </p:txBody>
       </p:sp>
@@ -8871,6 +8912,13 @@
       <p:transition xmlns:p14="http://schemas.microsoft.com/office/powerpoint/2010/main" spd="slow"/>
     </mc:Fallback>
   </mc:AlternateContent>
+  <p:timing>
+    <p:tnLst>
+      <p:par>
+        <p:cTn xmlns:p14="http://schemas.microsoft.com/office/powerpoint/2010/main" id="1" dur="indefinite" restart="never" nodeType="tmRoot"/>
+      </p:par>
+    </p:tnLst>
+  </p:timing>
 </p:sld>
 </file>
 
@@ -8921,7 +8969,6 @@
               <a:rPr lang="en-US" dirty="0"/>
               <a:t> Variant Calling and Allele-Specific Expression Analysis </a:t>
             </a:r>
-            <a:endParaRPr lang="en-US" dirty="0"/>
           </a:p>
         </p:txBody>
       </p:sp>
@@ -9061,13 +9108,6 @@
               </a:rPr>
               <a:t>Interpreting results of allele-specific expression analysis</a:t>
             </a:r>
-            <a:endParaRPr lang="en-US" dirty="0" smtClean="0">
-              <a:solidFill>
-                <a:schemeClr val="bg1">
-                  <a:lumMod val="75000"/>
-                </a:schemeClr>
-              </a:solidFill>
-            </a:endParaRPr>
           </a:p>
           <a:p>
             <a:endParaRPr lang="en-US" dirty="0" smtClean="0"/>
@@ -9098,6 +9138,13 @@
       <p:transition xmlns:p14="http://schemas.microsoft.com/office/powerpoint/2010/main" spd="slow"/>
     </mc:Fallback>
   </mc:AlternateContent>
+  <p:timing>
+    <p:tnLst>
+      <p:par>
+        <p:cTn xmlns:p14="http://schemas.microsoft.com/office/powerpoint/2010/main" id="1" dur="indefinite" restart="never" nodeType="tmRoot"/>
+      </p:par>
+    </p:tnLst>
+  </p:timing>
 </p:sld>
 </file>
 
@@ -9239,6 +9286,13 @@
   <p:clrMapOvr>
     <a:masterClrMapping/>
   </p:clrMapOvr>
+  <p:timing>
+    <p:tnLst>
+      <p:par>
+        <p:cTn xmlns:p14="http://schemas.microsoft.com/office/powerpoint/2010/main" id="1" dur="indefinite" restart="never" nodeType="tmRoot"/>
+      </p:par>
+    </p:tnLst>
+  </p:timing>
 </p:sld>
 </file>
 
@@ -9427,6 +9481,13 @@
   <p:clrMapOvr>
     <a:masterClrMapping/>
   </p:clrMapOvr>
+  <p:timing>
+    <p:tnLst>
+      <p:par>
+        <p:cTn xmlns:p14="http://schemas.microsoft.com/office/powerpoint/2010/main" id="1" dur="indefinite" restart="never" nodeType="tmRoot"/>
+      </p:par>
+    </p:tnLst>
+  </p:timing>
 </p:sld>
 </file>
 
@@ -9619,6 +9680,13 @@
   <p:clrMapOvr>
     <a:masterClrMapping/>
   </p:clrMapOvr>
+  <p:timing>
+    <p:tnLst>
+      <p:par>
+        <p:cTn xmlns:p14="http://schemas.microsoft.com/office/powerpoint/2010/main" id="1" dur="indefinite" restart="never" nodeType="tmRoot"/>
+      </p:par>
+    </p:tnLst>
+  </p:timing>
 </p:sld>
 </file>
 
@@ -9669,7 +9737,6 @@
               <a:rPr lang="en-US" dirty="0"/>
               <a:t> Variant Calling and Allele-Specific Expression Analysis </a:t>
             </a:r>
-            <a:endParaRPr lang="en-US" dirty="0"/>
           </a:p>
         </p:txBody>
       </p:sp>
@@ -9798,13 +9865,6 @@
               </a:rPr>
               <a:t>Interpreting results of allele-specific expression analysis</a:t>
             </a:r>
-            <a:endParaRPr lang="en-US" dirty="0" smtClean="0">
-              <a:solidFill>
-                <a:schemeClr val="bg1">
-                  <a:lumMod val="75000"/>
-                </a:schemeClr>
-              </a:solidFill>
-            </a:endParaRPr>
           </a:p>
           <a:p>
             <a:endParaRPr lang="en-US" dirty="0" smtClean="0"/>
@@ -9835,6 +9895,13 @@
       <p:transition xmlns:p14="http://schemas.microsoft.com/office/powerpoint/2010/main" spd="slow"/>
     </mc:Fallback>
   </mc:AlternateContent>
+  <p:timing>
+    <p:tnLst>
+      <p:par>
+        <p:cTn xmlns:p14="http://schemas.microsoft.com/office/powerpoint/2010/main" id="1" dur="indefinite" restart="never" nodeType="tmRoot"/>
+      </p:par>
+    </p:tnLst>
+  </p:timing>
 </p:sld>
 </file>
 
@@ -10017,6 +10084,13 @@
   <p:clrMapOvr>
     <a:masterClrMapping/>
   </p:clrMapOvr>
+  <p:timing>
+    <p:tnLst>
+      <p:par>
+        <p:cTn xmlns:p14="http://schemas.microsoft.com/office/powerpoint/2010/main" id="1" dur="indefinite" restart="never" nodeType="tmRoot"/>
+      </p:par>
+    </p:tnLst>
+  </p:timing>
 </p:sld>
 </file>
 
@@ -10067,7 +10141,6 @@
               <a:rPr lang="en-US" dirty="0"/>
               <a:t> Variant Calling and Allele-Specific Expression Analysis </a:t>
             </a:r>
-            <a:endParaRPr lang="en-US" dirty="0"/>
           </a:p>
         </p:txBody>
       </p:sp>
@@ -10193,13 +10266,6 @@
               </a:rPr>
               <a:t>Interpreting results of allele-specific expression analysis</a:t>
             </a:r>
-            <a:endParaRPr lang="en-US" dirty="0" smtClean="0">
-              <a:solidFill>
-                <a:schemeClr val="bg1">
-                  <a:lumMod val="75000"/>
-                </a:schemeClr>
-              </a:solidFill>
-            </a:endParaRPr>
           </a:p>
           <a:p>
             <a:endParaRPr lang="en-US" dirty="0" smtClean="0"/>
@@ -10230,6 +10296,13 @@
       <p:transition xmlns:p14="http://schemas.microsoft.com/office/powerpoint/2010/main" spd="slow"/>
     </mc:Fallback>
   </mc:AlternateContent>
+  <p:timing>
+    <p:tnLst>
+      <p:par>
+        <p:cTn xmlns:p14="http://schemas.microsoft.com/office/powerpoint/2010/main" id="1" dur="indefinite" restart="never" nodeType="tmRoot"/>
+      </p:par>
+    </p:tnLst>
+  </p:timing>
 </p:sld>
 </file>
 
@@ -10363,6 +10436,13 @@
   <p:clrMapOvr>
     <a:masterClrMapping/>
   </p:clrMapOvr>
+  <p:timing>
+    <p:tnLst>
+      <p:par>
+        <p:cTn xmlns:p14="http://schemas.microsoft.com/office/powerpoint/2010/main" id="1" dur="indefinite" restart="never" nodeType="tmRoot"/>
+      </p:par>
+    </p:tnLst>
+  </p:timing>
 </p:sld>
 </file>
 
@@ -10508,6 +10588,13 @@
   <p:clrMapOvr>
     <a:masterClrMapping/>
   </p:clrMapOvr>
+  <p:timing>
+    <p:tnLst>
+      <p:par>
+        <p:cTn xmlns:p14="http://schemas.microsoft.com/office/powerpoint/2010/main" id="1" dur="indefinite" restart="never" nodeType="tmRoot"/>
+      </p:par>
+    </p:tnLst>
+  </p:timing>
 </p:sld>
 </file>
 
@@ -10640,6 +10727,13 @@
   <p:clrMapOvr>
     <a:masterClrMapping/>
   </p:clrMapOvr>
+  <p:timing>
+    <p:tnLst>
+      <p:par>
+        <p:cTn xmlns:p14="http://schemas.microsoft.com/office/powerpoint/2010/main" id="1" dur="indefinite" restart="never" nodeType="tmRoot"/>
+      </p:par>
+    </p:tnLst>
+  </p:timing>
 </p:sld>
 </file>
 
@@ -10757,6 +10851,13 @@
   <p:clrMapOvr>
     <a:masterClrMapping/>
   </p:clrMapOvr>
+  <p:timing>
+    <p:tnLst>
+      <p:par>
+        <p:cTn xmlns:p14="http://schemas.microsoft.com/office/powerpoint/2010/main" id="1" dur="indefinite" restart="never" nodeType="tmRoot"/>
+      </p:par>
+    </p:tnLst>
+  </p:timing>
 </p:sld>
 </file>
 
@@ -10942,6 +11043,13 @@
   <p:clrMapOvr>
     <a:masterClrMapping/>
   </p:clrMapOvr>
+  <p:timing>
+    <p:tnLst>
+      <p:par>
+        <p:cTn xmlns:p14="http://schemas.microsoft.com/office/powerpoint/2010/main" id="1" dur="indefinite" restart="never" nodeType="tmRoot"/>
+      </p:par>
+    </p:tnLst>
+  </p:timing>
 </p:sld>
 </file>
 
@@ -11060,14 +11168,7 @@
                 <a:latin typeface="Courier"/>
                 <a:cs typeface="Courier"/>
               </a:rPr>
-              <a:t>” </a:t>
-            </a:r>
-            <a:r>
-              <a:rPr lang="en-US" sz="2000" dirty="0" smtClean="0">
-                <a:latin typeface="Courier"/>
-                <a:cs typeface="Courier"/>
-              </a:rPr>
-              <a:t>instead.</a:t>
+              <a:t>” instead.</a:t>
             </a:r>
           </a:p>
           <a:p>
@@ -11153,6 +11254,13 @@
       <p:transition xmlns:p14="http://schemas.microsoft.com/office/powerpoint/2010/main" spd="slow"/>
     </mc:Fallback>
   </mc:AlternateContent>
+  <p:timing>
+    <p:tnLst>
+      <p:par>
+        <p:cTn xmlns:p14="http://schemas.microsoft.com/office/powerpoint/2010/main" id="1" dur="indefinite" restart="never" nodeType="tmRoot"/>
+      </p:par>
+    </p:tnLst>
+  </p:timing>
 </p:sld>
 </file>
 
@@ -11544,6 +11652,13 @@
   <p:clrMapOvr>
     <a:masterClrMapping/>
   </p:clrMapOvr>
+  <p:timing>
+    <p:tnLst>
+      <p:par>
+        <p:cTn xmlns:p14="http://schemas.microsoft.com/office/powerpoint/2010/main" id="1" dur="indefinite" restart="never" nodeType="tmRoot"/>
+      </p:par>
+    </p:tnLst>
+  </p:timing>
 </p:sld>
 </file>
 
@@ -11944,6 +12059,13 @@
   <p:clrMapOvr>
     <a:masterClrMapping/>
   </p:clrMapOvr>
+  <p:timing>
+    <p:tnLst>
+      <p:par>
+        <p:cTn xmlns:p14="http://schemas.microsoft.com/office/powerpoint/2010/main" id="1" dur="indefinite" restart="never" nodeType="tmRoot"/>
+      </p:par>
+    </p:tnLst>
+  </p:timing>
 </p:sld>
 </file>
 
@@ -11994,7 +12116,6 @@
               <a:rPr lang="en-US" dirty="0"/>
               <a:t> Variant Calling and Allele-Specific Expression Analysis </a:t>
             </a:r>
-            <a:endParaRPr lang="en-US" dirty="0"/>
           </a:p>
         </p:txBody>
       </p:sp>
@@ -12136,13 +12257,6 @@
               </a:rPr>
               <a:t>Interpreting results of allele-specific expression analysis</a:t>
             </a:r>
-            <a:endParaRPr lang="en-US" dirty="0" smtClean="0">
-              <a:solidFill>
-                <a:schemeClr val="bg1">
-                  <a:lumMod val="75000"/>
-                </a:schemeClr>
-              </a:solidFill>
-            </a:endParaRPr>
           </a:p>
           <a:p>
             <a:endParaRPr lang="en-US" dirty="0" smtClean="0"/>
@@ -12645,14 +12759,7 @@
                 <a:latin typeface="Courier"/>
                 <a:cs typeface="Courier"/>
               </a:rPr>
-              <a:t># </a:t>
-            </a:r>
-            <a:r>
-              <a:rPr lang="en-US" sz="2000" dirty="0" smtClean="0">
-                <a:latin typeface="Courier"/>
-                <a:cs typeface="Courier"/>
-              </a:rPr>
-              <a:t>reads must be in SAM format and name-sorted</a:t>
+              <a:t># reads must be in SAM format and name-sorted</a:t>
             </a:r>
           </a:p>
           <a:p>
@@ -12970,14 +13077,19 @@
                 <a:latin typeface="Courier"/>
                 <a:cs typeface="Courier"/>
               </a:rPr>
-              <a:t># the program that our data </a:t>
-            </a:r>
+              <a:t># the program that our data is paired-end and </a:t>
+            </a:r>
+          </a:p>
+          <a:p>
+            <a:pPr marL="0" indent="0">
+              <a:buNone/>
+            </a:pPr>
             <a:r>
               <a:rPr lang="en-US" sz="2000" dirty="0" smtClean="0">
                 <a:latin typeface="Courier"/>
                 <a:cs typeface="Courier"/>
               </a:rPr>
-              <a:t>is paired-end and </a:t>
+              <a:t># strand-specific (make sure to set this correctly for</a:t>
             </a:r>
           </a:p>
           <a:p>
@@ -12989,38 +13101,8 @@
                 <a:latin typeface="Courier"/>
                 <a:cs typeface="Courier"/>
               </a:rPr>
-              <a:t># </a:t>
-            </a:r>
-            <a:r>
-              <a:rPr lang="en-US" sz="2000" dirty="0" smtClean="0">
-                <a:latin typeface="Courier"/>
-                <a:cs typeface="Courier"/>
-              </a:rPr>
-              <a:t>strand-specific (make sure to </a:t>
-            </a:r>
-            <a:r>
-              <a:rPr lang="en-US" sz="2000" dirty="0" smtClean="0">
-                <a:latin typeface="Courier"/>
-                <a:cs typeface="Courier"/>
-              </a:rPr>
-              <a:t>set this correctly for</a:t>
-            </a:r>
-          </a:p>
-          <a:p>
-            <a:pPr marL="0" indent="0">
-              <a:buNone/>
-            </a:pPr>
-            <a:r>
-              <a:rPr lang="en-US" sz="2000" dirty="0" smtClean="0">
-                <a:latin typeface="Courier"/>
-                <a:cs typeface="Courier"/>
-              </a:rPr>
               <a:t># your library conditions!)</a:t>
             </a:r>
-            <a:endParaRPr lang="en-US" sz="2000" dirty="0" smtClean="0">
-              <a:latin typeface="Courier"/>
-              <a:cs typeface="Courier"/>
-            </a:endParaRPr>
           </a:p>
           <a:p>
             <a:pPr marL="0" indent="0">
@@ -13809,21 +13891,7 @@
                 <a:latin typeface="Courier"/>
                 <a:cs typeface="Courier"/>
               </a:rPr>
-              <a:t>asarp</a:t>
-            </a:r>
-            <a:r>
-              <a:rPr lang="en-US" sz="2000" dirty="0" err="1" smtClean="0">
-                <a:latin typeface="Courier"/>
-                <a:cs typeface="Courier"/>
-              </a:rPr>
-              <a:t>.</a:t>
-            </a:r>
-            <a:r>
-              <a:rPr lang="en-US" sz="2000" dirty="0" err="1" smtClean="0">
-                <a:latin typeface="Courier"/>
-                <a:cs typeface="Courier"/>
-              </a:rPr>
-              <a:t>params</a:t>
+              <a:t>asarp.params</a:t>
             </a:r>
             <a:endParaRPr lang="en-US" sz="2000" dirty="0" smtClean="0">
               <a:latin typeface="Courier"/>
@@ -14064,7 +14132,6 @@
               <a:rPr lang="en-US" dirty="0"/>
               <a:t> Variant Calling and Allele-Specific Expression Analysis </a:t>
             </a:r>
-            <a:endParaRPr lang="en-US" dirty="0"/>
           </a:p>
         </p:txBody>
       </p:sp>
@@ -14200,7 +14267,6 @@
               <a:rPr lang="en-US" dirty="0" smtClean="0"/>
               <a:t>Interpreting results of allele-specific expression analysis</a:t>
             </a:r>
-            <a:endParaRPr lang="en-US" dirty="0" smtClean="0"/>
           </a:p>
           <a:p>
             <a:endParaRPr lang="en-US" dirty="0" smtClean="0"/>
@@ -14471,6 +14537,13 @@
   <p:clrMapOvr>
     <a:masterClrMapping/>
   </p:clrMapOvr>
+  <p:timing>
+    <p:tnLst>
+      <p:par>
+        <p:cTn xmlns:p14="http://schemas.microsoft.com/office/powerpoint/2010/main" id="1" dur="indefinite" restart="never" nodeType="tmRoot"/>
+      </p:par>
+    </p:tnLst>
+  </p:timing>
 </p:sld>
 </file>
 
@@ -14720,6 +14793,135 @@
 </p:sld>
 </file>
 
+<file path=ppt/slides/slide52.xml><?xml version="1.0" encoding="utf-8"?>
+<p:sld xmlns:a="http://schemas.openxmlformats.org/drawingml/2006/main" xmlns:r="http://schemas.openxmlformats.org/officeDocument/2006/relationships" xmlns:p="http://schemas.openxmlformats.org/presentationml/2006/main">
+  <p:cSld>
+    <p:spTree>
+      <p:nvGrpSpPr>
+        <p:cNvPr id="1" name=""/>
+        <p:cNvGrpSpPr/>
+        <p:nvPr/>
+      </p:nvGrpSpPr>
+      <p:grpSpPr>
+        <a:xfrm>
+          <a:off x="0" y="0"/>
+          <a:ext cx="0" cy="0"/>
+          <a:chOff x="0" y="0"/>
+          <a:chExt cx="0" cy="0"/>
+        </a:xfrm>
+      </p:grpSpPr>
+      <p:sp>
+        <p:nvSpPr>
+          <p:cNvPr id="2" name="Title 1"/>
+          <p:cNvSpPr>
+            <a:spLocks noGrp="1"/>
+          </p:cNvSpPr>
+          <p:nvPr>
+            <p:ph type="title"/>
+          </p:nvPr>
+        </p:nvSpPr>
+        <p:spPr/>
+        <p:txBody>
+          <a:bodyPr/>
+          <a:lstStyle/>
+          <a:p>
+            <a:r>
+              <a:rPr lang="en-US" dirty="0" smtClean="0"/>
+              <a:t>Alternative Tools</a:t>
+            </a:r>
+            <a:endParaRPr lang="en-US" dirty="0"/>
+          </a:p>
+        </p:txBody>
+      </p:sp>
+      <p:sp>
+        <p:nvSpPr>
+          <p:cNvPr id="3" name="Content Placeholder 2"/>
+          <p:cNvSpPr>
+            <a:spLocks noGrp="1"/>
+          </p:cNvSpPr>
+          <p:nvPr>
+            <p:ph sz="quarter" idx="1"/>
+          </p:nvPr>
+        </p:nvSpPr>
+        <p:spPr/>
+        <p:txBody>
+          <a:bodyPr/>
+          <a:lstStyle/>
+          <a:p>
+            <a:r>
+              <a:rPr lang="en-US" dirty="0" smtClean="0"/>
+              <a:t>Variant calling: GATK</a:t>
+            </a:r>
+          </a:p>
+          <a:p>
+            <a:r>
+              <a:rPr lang="en-US" dirty="0" smtClean="0"/>
+              <a:t>Allele-specific expression: </a:t>
+            </a:r>
+          </a:p>
+          <a:p>
+            <a:pPr lvl="1"/>
+            <a:r>
+              <a:rPr lang="en-US" dirty="0" smtClean="0"/>
+              <a:t>Allele-</a:t>
+            </a:r>
+            <a:r>
+              <a:rPr lang="en-US" dirty="0" err="1" smtClean="0"/>
+              <a:t>seq</a:t>
+            </a:r>
+            <a:r>
+              <a:rPr lang="en-US" dirty="0" smtClean="0"/>
+              <a:t>, ASEQ</a:t>
+            </a:r>
+          </a:p>
+          <a:p>
+            <a:pPr lvl="1"/>
+            <a:r>
+              <a:rPr lang="en-US" dirty="0" smtClean="0"/>
+              <a:t>Cancer-specific: MBASED</a:t>
+            </a:r>
+          </a:p>
+          <a:p>
+            <a:r>
+              <a:rPr lang="en-US" dirty="0" smtClean="0"/>
+              <a:t>Datasets: </a:t>
+            </a:r>
+            <a:r>
+              <a:rPr lang="en-US" dirty="0" err="1" smtClean="0"/>
+              <a:t>GTEx</a:t>
+            </a:r>
+            <a:r>
+              <a:rPr lang="en-US" dirty="0"/>
+              <a:t> (http://</a:t>
+            </a:r>
+            <a:r>
+              <a:rPr lang="en-US" dirty="0" err="1" smtClean="0"/>
+              <a:t>www.gtexportal.org</a:t>
+            </a:r>
+            <a:r>
+              <a:rPr lang="en-US" dirty="0"/>
+              <a:t>)</a:t>
+            </a:r>
+            <a:endParaRPr lang="en-US" dirty="0" smtClean="0"/>
+          </a:p>
+          <a:p>
+            <a:endParaRPr lang="en-US" dirty="0"/>
+          </a:p>
+        </p:txBody>
+      </p:sp>
+    </p:spTree>
+    <p:extLst>
+      <p:ext uri="{BB962C8B-B14F-4D97-AF65-F5344CB8AC3E}">
+        <p14:creationId xmlns:p14="http://schemas.microsoft.com/office/powerpoint/2010/main" val="1920742784"/>
+      </p:ext>
+    </p:extLst>
+  </p:cSld>
+  <p:clrMapOvr>
+    <a:masterClrMapping/>
+  </p:clrMapOvr>
+</p:sld>
+</file>
+
 <file path=ppt/slides/slide6.xml><?xml version="1.0" encoding="utf-8"?>
 <p:sld xmlns:a="http://schemas.openxmlformats.org/drawingml/2006/main" xmlns:r="http://schemas.openxmlformats.org/officeDocument/2006/relationships" xmlns:p="http://schemas.openxmlformats.org/presentationml/2006/main">
   <p:cSld>
@@ -14871,6 +15073,13 @@
   <p:clrMapOvr>
     <a:masterClrMapping/>
   </p:clrMapOvr>
+  <p:timing>
+    <p:tnLst>
+      <p:par>
+        <p:cTn xmlns:p14="http://schemas.microsoft.com/office/powerpoint/2010/main" id="1" dur="indefinite" restart="never" nodeType="tmRoot"/>
+      </p:par>
+    </p:tnLst>
+  </p:timing>
 </p:sld>
 </file>
 
@@ -15058,6 +15267,13 @@
   <p:clrMapOvr>
     <a:masterClrMapping/>
   </p:clrMapOvr>
+  <p:timing>
+    <p:tnLst>
+      <p:par>
+        <p:cTn xmlns:p14="http://schemas.microsoft.com/office/powerpoint/2010/main" id="1" dur="indefinite" restart="never" nodeType="tmRoot"/>
+      </p:par>
+    </p:tnLst>
+  </p:timing>
 </p:sld>
 </file>
 
@@ -15166,6 +15382,13 @@
   <p:clrMapOvr>
     <a:masterClrMapping/>
   </p:clrMapOvr>
+  <p:timing>
+    <p:tnLst>
+      <p:par>
+        <p:cTn xmlns:p14="http://schemas.microsoft.com/office/powerpoint/2010/main" id="1" dur="indefinite" restart="never" nodeType="tmRoot"/>
+      </p:par>
+    </p:tnLst>
+  </p:timing>
 </p:sld>
 </file>
 
@@ -15310,6 +15533,13 @@
   <p:clrMapOvr>
     <a:masterClrMapping/>
   </p:clrMapOvr>
+  <p:timing>
+    <p:tnLst>
+      <p:par>
+        <p:cTn xmlns:p14="http://schemas.microsoft.com/office/powerpoint/2010/main" id="1" dur="indefinite" restart="never" nodeType="tmRoot"/>
+      </p:par>
+    </p:tnLst>
+  </p:timing>
 </p:sld>
 </file>
 
